--- a/13. Az Aranybulla. A tatárjárás és az ország újjáépítése IV. Béla idején.pptx
+++ b/13. Az Aranybulla. A tatárjárás és az ország újjáépítése IV. Béla idején.pptx
@@ -3431,6 +3431,7 @@
         </p:nvPicPr>
         <p:blipFill>
           <a:blip r:embed="rId2">
+            <a:alphaModFix amt="35000"/>
             <a:extLst>
               <a:ext uri="{BEBA8EAE-BF5A-486C-A8C5-ECC9F3942E4B}">
                 <a14:imgProps xmlns:a14="http://schemas.microsoft.com/office/drawing/2010/main">
@@ -3741,6 +3742,13 @@
             <a:avLst/>
           </a:prstGeom>
           <a:noFill/>
+          <a:ln>
+            <a:solidFill>
+              <a:schemeClr val="accent2">
+                <a:lumMod val="75000"/>
+              </a:schemeClr>
+            </a:solidFill>
+          </a:ln>
           <a:extLst>
             <a:ext uri="{909E8E84-426E-40DD-AFC4-6F175D3DCCD1}">
               <a14:hiddenFill xmlns:a14="http://schemas.microsoft.com/office/drawing/2010/main">
@@ -3871,7 +3879,7 @@
             <a:pPr algn="just"/>
             <a:r>
               <a:rPr lang="hu-HU" dirty="0"/>
-              <a:t>Tatárok a Dunántúlt is elérhetik a befagyott Duna miatt.</a:t>
+              <a:t>A tatárok a Dunántúlt is elérték a befagyott Duna miatt.</a:t>
             </a:r>
           </a:p>
           <a:p>
